--- a/docs/ch8/main.pptx
+++ b/docs/ch8/main.pptx
@@ -7,6 +7,7 @@
   <p:sldIdLst>
     <p:sldId id="256" r:id="rId2"/>
     <p:sldId id="257" r:id="rId3"/>
+    <p:sldId id="258" r:id="rId4"/>
   </p:sldIdLst>
   <p:sldSz cx="12192000" cy="6858000"/>
   <p:notesSz cx="6858000" cy="9144000"/>
@@ -105,6 +106,11 @@
       </a:defRPr>
     </a:lvl9pPr>
   </p:defaultTextStyle>
+  <p:extLst>
+    <p:ext uri="{EFAFB233-063F-42B5-8137-9DF3F51BA10A}">
+      <p15:sldGuideLst xmlns:p15="http://schemas.microsoft.com/office/powerpoint/2012/main"/>
+    </p:ext>
+  </p:extLst>
 </p:presentation>
 </file>
 
@@ -255,7 +261,7 @@
           <a:p>
             <a:fld id="{E4BFA74A-9E99-46C3-895B-7AC1FB9D91E4}" type="datetimeFigureOut">
               <a:rPr lang="zh-CN" altLang="en-US" smtClean="0"/>
-              <a:t>2023/3/15</a:t>
+              <a:t>2023/3/24</a:t>
             </a:fld>
             <a:endParaRPr lang="zh-CN" altLang="en-US"/>
           </a:p>
@@ -453,7 +459,7 @@
           <a:p>
             <a:fld id="{E4BFA74A-9E99-46C3-895B-7AC1FB9D91E4}" type="datetimeFigureOut">
               <a:rPr lang="zh-CN" altLang="en-US" smtClean="0"/>
-              <a:t>2023/3/15</a:t>
+              <a:t>2023/3/24</a:t>
             </a:fld>
             <a:endParaRPr lang="zh-CN" altLang="en-US"/>
           </a:p>
@@ -661,7 +667,7 @@
           <a:p>
             <a:fld id="{E4BFA74A-9E99-46C3-895B-7AC1FB9D91E4}" type="datetimeFigureOut">
               <a:rPr lang="zh-CN" altLang="en-US" smtClean="0"/>
-              <a:t>2023/3/15</a:t>
+              <a:t>2023/3/24</a:t>
             </a:fld>
             <a:endParaRPr lang="zh-CN" altLang="en-US"/>
           </a:p>
@@ -859,7 +865,7 @@
           <a:p>
             <a:fld id="{E4BFA74A-9E99-46C3-895B-7AC1FB9D91E4}" type="datetimeFigureOut">
               <a:rPr lang="zh-CN" altLang="en-US" smtClean="0"/>
-              <a:t>2023/3/15</a:t>
+              <a:t>2023/3/24</a:t>
             </a:fld>
             <a:endParaRPr lang="zh-CN" altLang="en-US"/>
           </a:p>
@@ -1134,7 +1140,7 @@
           <a:p>
             <a:fld id="{E4BFA74A-9E99-46C3-895B-7AC1FB9D91E4}" type="datetimeFigureOut">
               <a:rPr lang="zh-CN" altLang="en-US" smtClean="0"/>
-              <a:t>2023/3/15</a:t>
+              <a:t>2023/3/24</a:t>
             </a:fld>
             <a:endParaRPr lang="zh-CN" altLang="en-US"/>
           </a:p>
@@ -1399,7 +1405,7 @@
           <a:p>
             <a:fld id="{E4BFA74A-9E99-46C3-895B-7AC1FB9D91E4}" type="datetimeFigureOut">
               <a:rPr lang="zh-CN" altLang="en-US" smtClean="0"/>
-              <a:t>2023/3/15</a:t>
+              <a:t>2023/3/24</a:t>
             </a:fld>
             <a:endParaRPr lang="zh-CN" altLang="en-US"/>
           </a:p>
@@ -1811,7 +1817,7 @@
           <a:p>
             <a:fld id="{E4BFA74A-9E99-46C3-895B-7AC1FB9D91E4}" type="datetimeFigureOut">
               <a:rPr lang="zh-CN" altLang="en-US" smtClean="0"/>
-              <a:t>2023/3/15</a:t>
+              <a:t>2023/3/24</a:t>
             </a:fld>
             <a:endParaRPr lang="zh-CN" altLang="en-US"/>
           </a:p>
@@ -1952,7 +1958,7 @@
           <a:p>
             <a:fld id="{E4BFA74A-9E99-46C3-895B-7AC1FB9D91E4}" type="datetimeFigureOut">
               <a:rPr lang="zh-CN" altLang="en-US" smtClean="0"/>
-              <a:t>2023/3/15</a:t>
+              <a:t>2023/3/24</a:t>
             </a:fld>
             <a:endParaRPr lang="zh-CN" altLang="en-US"/>
           </a:p>
@@ -2065,7 +2071,7 @@
           <a:p>
             <a:fld id="{E4BFA74A-9E99-46C3-895B-7AC1FB9D91E4}" type="datetimeFigureOut">
               <a:rPr lang="zh-CN" altLang="en-US" smtClean="0"/>
-              <a:t>2023/3/15</a:t>
+              <a:t>2023/3/24</a:t>
             </a:fld>
             <a:endParaRPr lang="zh-CN" altLang="en-US"/>
           </a:p>
@@ -2376,7 +2382,7 @@
           <a:p>
             <a:fld id="{E4BFA74A-9E99-46C3-895B-7AC1FB9D91E4}" type="datetimeFigureOut">
               <a:rPr lang="zh-CN" altLang="en-US" smtClean="0"/>
-              <a:t>2023/3/15</a:t>
+              <a:t>2023/3/24</a:t>
             </a:fld>
             <a:endParaRPr lang="zh-CN" altLang="en-US"/>
           </a:p>
@@ -2664,7 +2670,7 @@
           <a:p>
             <a:fld id="{E4BFA74A-9E99-46C3-895B-7AC1FB9D91E4}" type="datetimeFigureOut">
               <a:rPr lang="zh-CN" altLang="en-US" smtClean="0"/>
-              <a:t>2023/3/15</a:t>
+              <a:t>2023/3/24</a:t>
             </a:fld>
             <a:endParaRPr lang="zh-CN" altLang="en-US"/>
           </a:p>
@@ -2905,7 +2911,7 @@
           <a:p>
             <a:fld id="{E4BFA74A-9E99-46C3-895B-7AC1FB9D91E4}" type="datetimeFigureOut">
               <a:rPr lang="zh-CN" altLang="en-US" smtClean="0"/>
-              <a:t>2023/3/15</a:t>
+              <a:t>2023/3/24</a:t>
             </a:fld>
             <a:endParaRPr lang="zh-CN" altLang="en-US"/>
           </a:p>
@@ -4279,6 +4285,1310 @@
 </p:sld>
 </file>
 
+<file path=ppt/slides/slide3.xml><?xml version="1.0" encoding="utf-8"?>
+<p:sld xmlns:a="http://schemas.openxmlformats.org/drawingml/2006/main" xmlns:r="http://schemas.openxmlformats.org/officeDocument/2006/relationships" xmlns:p="http://schemas.openxmlformats.org/presentationml/2006/main">
+  <p:cSld>
+    <p:spTree>
+      <p:nvGrpSpPr>
+        <p:cNvPr id="1" name=""/>
+        <p:cNvGrpSpPr/>
+        <p:nvPr/>
+      </p:nvGrpSpPr>
+      <p:grpSpPr>
+        <a:xfrm>
+          <a:off x="0" y="0"/>
+          <a:ext cx="0" cy="0"/>
+          <a:chOff x="0" y="0"/>
+          <a:chExt cx="0" cy="0"/>
+        </a:xfrm>
+      </p:grpSpPr>
+      <p:grpSp>
+        <p:nvGrpSpPr>
+          <p:cNvPr id="20" name="组合 19">
+            <a:extLst>
+              <a:ext uri="{FF2B5EF4-FFF2-40B4-BE49-F238E27FC236}">
+                <a16:creationId xmlns:a16="http://schemas.microsoft.com/office/drawing/2014/main" id="{F34EC7A7-B812-93AD-CB0A-B8CE01175D27}"/>
+              </a:ext>
+            </a:extLst>
+          </p:cNvPr>
+          <p:cNvGrpSpPr/>
+          <p:nvPr/>
+        </p:nvGrpSpPr>
+        <p:grpSpPr>
+          <a:xfrm>
+            <a:off x="5216669" y="3012490"/>
+            <a:ext cx="415498" cy="369332"/>
+            <a:chOff x="5402205" y="2638522"/>
+            <a:chExt cx="415498" cy="369332"/>
+          </a:xfrm>
+        </p:grpSpPr>
+        <p:sp>
+          <p:nvSpPr>
+            <p:cNvPr id="21" name="文本框 20">
+              <a:extLst>
+                <a:ext uri="{FF2B5EF4-FFF2-40B4-BE49-F238E27FC236}">
+                  <a16:creationId xmlns:a16="http://schemas.microsoft.com/office/drawing/2014/main" id="{A554D60D-AE83-0032-4F5E-B381647C6481}"/>
+                </a:ext>
+              </a:extLst>
+            </p:cNvPr>
+            <p:cNvSpPr txBox="1"/>
+            <p:nvPr/>
+          </p:nvSpPr>
+          <p:spPr>
+            <a:xfrm>
+              <a:off x="5402205" y="2638522"/>
+              <a:ext cx="415498" cy="369332"/>
+            </a:xfrm>
+            <a:prstGeom prst="rect">
+              <a:avLst/>
+            </a:prstGeom>
+            <a:noFill/>
+            <a:ln>
+              <a:noFill/>
+            </a:ln>
+          </p:spPr>
+          <p:txBody>
+            <a:bodyPr wrap="none" rtlCol="0">
+              <a:spAutoFit/>
+            </a:bodyPr>
+            <a:lstStyle/>
+            <a:p>
+              <a:r>
+                <a:rPr lang="en-US" altLang="zh-CN">
+                  <a:latin typeface="Times New Roman" panose="02020603050405020304" pitchFamily="18" charset="0"/>
+                  <a:cs typeface="Times New Roman" panose="02020603050405020304" pitchFamily="18" charset="0"/>
+                </a:rPr>
+                <a:t>13</a:t>
+              </a:r>
+              <a:endParaRPr lang="zh-CN" altLang="en-US">
+                <a:latin typeface="Times New Roman" panose="02020603050405020304" pitchFamily="18" charset="0"/>
+                <a:cs typeface="Times New Roman" panose="02020603050405020304" pitchFamily="18" charset="0"/>
+              </a:endParaRPr>
+            </a:p>
+          </p:txBody>
+        </p:sp>
+        <p:sp>
+          <p:nvSpPr>
+            <p:cNvPr id="23" name="椭圆 22">
+              <a:extLst>
+                <a:ext uri="{FF2B5EF4-FFF2-40B4-BE49-F238E27FC236}">
+                  <a16:creationId xmlns:a16="http://schemas.microsoft.com/office/drawing/2014/main" id="{9F2556CA-9CBC-06A0-E1AD-D06C27B0CB41}"/>
+                </a:ext>
+              </a:extLst>
+            </p:cNvPr>
+            <p:cNvSpPr/>
+            <p:nvPr/>
+          </p:nvSpPr>
+          <p:spPr>
+            <a:xfrm>
+              <a:off x="5436366" y="2643188"/>
+              <a:ext cx="360000" cy="360000"/>
+            </a:xfrm>
+            <a:prstGeom prst="ellipse">
+              <a:avLst/>
+            </a:prstGeom>
+            <a:noFill/>
+            <a:ln>
+              <a:solidFill>
+                <a:schemeClr val="tx1"/>
+              </a:solidFill>
+            </a:ln>
+          </p:spPr>
+          <p:style>
+            <a:lnRef idx="2">
+              <a:schemeClr val="accent1">
+                <a:shade val="50000"/>
+              </a:schemeClr>
+            </a:lnRef>
+            <a:fillRef idx="1">
+              <a:schemeClr val="accent1"/>
+            </a:fillRef>
+            <a:effectRef idx="0">
+              <a:schemeClr val="accent1"/>
+            </a:effectRef>
+            <a:fontRef idx="minor">
+              <a:schemeClr val="lt1"/>
+            </a:fontRef>
+          </p:style>
+          <p:txBody>
+            <a:bodyPr rtlCol="0" anchor="ctr">
+              <a:noAutofit/>
+            </a:bodyPr>
+            <a:lstStyle/>
+            <a:p>
+              <a:pPr algn="ctr"/>
+              <a:endParaRPr lang="zh-CN" altLang="en-US"/>
+            </a:p>
+          </p:txBody>
+        </p:sp>
+      </p:grpSp>
+      <p:grpSp>
+        <p:nvGrpSpPr>
+          <p:cNvPr id="5" name="组合 4">
+            <a:extLst>
+              <a:ext uri="{FF2B5EF4-FFF2-40B4-BE49-F238E27FC236}">
+                <a16:creationId xmlns:a16="http://schemas.microsoft.com/office/drawing/2014/main" id="{AF0177CD-DF3A-D20D-F752-0E63FE70A790}"/>
+              </a:ext>
+            </a:extLst>
+          </p:cNvPr>
+          <p:cNvGrpSpPr/>
+          <p:nvPr/>
+        </p:nvGrpSpPr>
+        <p:grpSpPr>
+          <a:xfrm>
+            <a:off x="5496674" y="2155733"/>
+            <a:ext cx="428322" cy="369332"/>
+            <a:chOff x="5402205" y="2638522"/>
+            <a:chExt cx="428322" cy="369332"/>
+          </a:xfrm>
+        </p:grpSpPr>
+        <p:sp>
+          <p:nvSpPr>
+            <p:cNvPr id="4" name="文本框 3">
+              <a:extLst>
+                <a:ext uri="{FF2B5EF4-FFF2-40B4-BE49-F238E27FC236}">
+                  <a16:creationId xmlns:a16="http://schemas.microsoft.com/office/drawing/2014/main" id="{E2BC5D90-BD00-E257-C14C-4FB1783D90DB}"/>
+                </a:ext>
+              </a:extLst>
+            </p:cNvPr>
+            <p:cNvSpPr txBox="1"/>
+            <p:nvPr/>
+          </p:nvSpPr>
+          <p:spPr>
+            <a:xfrm>
+              <a:off x="5402205" y="2638522"/>
+              <a:ext cx="428322" cy="369332"/>
+            </a:xfrm>
+            <a:prstGeom prst="rect">
+              <a:avLst/>
+            </a:prstGeom>
+            <a:noFill/>
+            <a:ln>
+              <a:noFill/>
+            </a:ln>
+          </p:spPr>
+          <p:txBody>
+            <a:bodyPr wrap="none" rtlCol="0">
+              <a:spAutoFit/>
+            </a:bodyPr>
+            <a:lstStyle/>
+            <a:p>
+              <a:r>
+                <a:rPr lang="en-US" altLang="zh-CN">
+                  <a:latin typeface="Times New Roman" panose="02020603050405020304" pitchFamily="18" charset="0"/>
+                  <a:cs typeface="Times New Roman" panose="02020603050405020304" pitchFamily="18" charset="0"/>
+                </a:rPr>
+                <a:t>66</a:t>
+              </a:r>
+              <a:endParaRPr lang="zh-CN" altLang="en-US">
+                <a:latin typeface="Times New Roman" panose="02020603050405020304" pitchFamily="18" charset="0"/>
+                <a:cs typeface="Times New Roman" panose="02020603050405020304" pitchFamily="18" charset="0"/>
+              </a:endParaRPr>
+            </a:p>
+          </p:txBody>
+        </p:sp>
+        <p:sp>
+          <p:nvSpPr>
+            <p:cNvPr id="2" name="椭圆 1">
+              <a:extLst>
+                <a:ext uri="{FF2B5EF4-FFF2-40B4-BE49-F238E27FC236}">
+                  <a16:creationId xmlns:a16="http://schemas.microsoft.com/office/drawing/2014/main" id="{402E19E3-C040-193A-5348-7E8C5E724671}"/>
+                </a:ext>
+              </a:extLst>
+            </p:cNvPr>
+            <p:cNvSpPr/>
+            <p:nvPr/>
+          </p:nvSpPr>
+          <p:spPr>
+            <a:xfrm>
+              <a:off x="5436366" y="2643188"/>
+              <a:ext cx="360000" cy="360000"/>
+            </a:xfrm>
+            <a:prstGeom prst="ellipse">
+              <a:avLst/>
+            </a:prstGeom>
+            <a:noFill/>
+            <a:ln>
+              <a:solidFill>
+                <a:schemeClr val="tx1"/>
+              </a:solidFill>
+            </a:ln>
+          </p:spPr>
+          <p:style>
+            <a:lnRef idx="2">
+              <a:schemeClr val="accent1">
+                <a:shade val="50000"/>
+              </a:schemeClr>
+            </a:lnRef>
+            <a:fillRef idx="1">
+              <a:schemeClr val="accent1"/>
+            </a:fillRef>
+            <a:effectRef idx="0">
+              <a:schemeClr val="accent1"/>
+            </a:effectRef>
+            <a:fontRef idx="minor">
+              <a:schemeClr val="lt1"/>
+            </a:fontRef>
+          </p:style>
+          <p:txBody>
+            <a:bodyPr rtlCol="0" anchor="ctr">
+              <a:noAutofit/>
+            </a:bodyPr>
+            <a:lstStyle/>
+            <a:p>
+              <a:pPr algn="ctr"/>
+              <a:endParaRPr lang="zh-CN" altLang="en-US"/>
+            </a:p>
+          </p:txBody>
+        </p:sp>
+      </p:grpSp>
+      <p:grpSp>
+        <p:nvGrpSpPr>
+          <p:cNvPr id="6" name="组合 5">
+            <a:extLst>
+              <a:ext uri="{FF2B5EF4-FFF2-40B4-BE49-F238E27FC236}">
+                <a16:creationId xmlns:a16="http://schemas.microsoft.com/office/drawing/2014/main" id="{B32CDF11-719B-2DAF-3476-A675480AC2A8}"/>
+              </a:ext>
+            </a:extLst>
+          </p:cNvPr>
+          <p:cNvGrpSpPr/>
+          <p:nvPr/>
+        </p:nvGrpSpPr>
+        <p:grpSpPr>
+          <a:xfrm>
+            <a:off x="4898378" y="2575453"/>
+            <a:ext cx="415498" cy="369332"/>
+            <a:chOff x="5402205" y="2638522"/>
+            <a:chExt cx="415498" cy="369332"/>
+          </a:xfrm>
+        </p:grpSpPr>
+        <p:sp>
+          <p:nvSpPr>
+            <p:cNvPr id="7" name="文本框 6">
+              <a:extLst>
+                <a:ext uri="{FF2B5EF4-FFF2-40B4-BE49-F238E27FC236}">
+                  <a16:creationId xmlns:a16="http://schemas.microsoft.com/office/drawing/2014/main" id="{8B24F7A7-9283-7B4B-0F02-28CC8C21FC2C}"/>
+                </a:ext>
+              </a:extLst>
+            </p:cNvPr>
+            <p:cNvSpPr txBox="1"/>
+            <p:nvPr/>
+          </p:nvSpPr>
+          <p:spPr>
+            <a:xfrm>
+              <a:off x="5402205" y="2638522"/>
+              <a:ext cx="415498" cy="369332"/>
+            </a:xfrm>
+            <a:prstGeom prst="rect">
+              <a:avLst/>
+            </a:prstGeom>
+            <a:noFill/>
+            <a:ln>
+              <a:noFill/>
+            </a:ln>
+          </p:spPr>
+          <p:txBody>
+            <a:bodyPr wrap="none" rtlCol="0">
+              <a:spAutoFit/>
+            </a:bodyPr>
+            <a:lstStyle/>
+            <a:p>
+              <a:r>
+                <a:rPr lang="en-US" altLang="zh-CN">
+                  <a:latin typeface="Times New Roman" panose="02020603050405020304" pitchFamily="18" charset="0"/>
+                  <a:cs typeface="Times New Roman" panose="02020603050405020304" pitchFamily="18" charset="0"/>
+                </a:rPr>
+                <a:t>44</a:t>
+              </a:r>
+              <a:endParaRPr lang="zh-CN" altLang="en-US">
+                <a:latin typeface="Times New Roman" panose="02020603050405020304" pitchFamily="18" charset="0"/>
+                <a:cs typeface="Times New Roman" panose="02020603050405020304" pitchFamily="18" charset="0"/>
+              </a:endParaRPr>
+            </a:p>
+          </p:txBody>
+        </p:sp>
+        <p:sp>
+          <p:nvSpPr>
+            <p:cNvPr id="13" name="椭圆 12">
+              <a:extLst>
+                <a:ext uri="{FF2B5EF4-FFF2-40B4-BE49-F238E27FC236}">
+                  <a16:creationId xmlns:a16="http://schemas.microsoft.com/office/drawing/2014/main" id="{20544CB0-353E-5343-2E70-DDFB5F14CA25}"/>
+                </a:ext>
+              </a:extLst>
+            </p:cNvPr>
+            <p:cNvSpPr/>
+            <p:nvPr/>
+          </p:nvSpPr>
+          <p:spPr>
+            <a:xfrm>
+              <a:off x="5436366" y="2643188"/>
+              <a:ext cx="360000" cy="360000"/>
+            </a:xfrm>
+            <a:prstGeom prst="ellipse">
+              <a:avLst/>
+            </a:prstGeom>
+            <a:noFill/>
+            <a:ln>
+              <a:solidFill>
+                <a:schemeClr val="tx1"/>
+              </a:solidFill>
+            </a:ln>
+          </p:spPr>
+          <p:style>
+            <a:lnRef idx="2">
+              <a:schemeClr val="accent1">
+                <a:shade val="50000"/>
+              </a:schemeClr>
+            </a:lnRef>
+            <a:fillRef idx="1">
+              <a:schemeClr val="accent1"/>
+            </a:fillRef>
+            <a:effectRef idx="0">
+              <a:schemeClr val="accent1"/>
+            </a:effectRef>
+            <a:fontRef idx="minor">
+              <a:schemeClr val="lt1"/>
+            </a:fontRef>
+          </p:style>
+          <p:txBody>
+            <a:bodyPr rtlCol="0" anchor="ctr">
+              <a:noAutofit/>
+            </a:bodyPr>
+            <a:lstStyle/>
+            <a:p>
+              <a:pPr algn="ctr"/>
+              <a:endParaRPr lang="zh-CN" altLang="en-US"/>
+            </a:p>
+          </p:txBody>
+        </p:sp>
+      </p:grpSp>
+      <p:grpSp>
+        <p:nvGrpSpPr>
+          <p:cNvPr id="14" name="组合 13">
+            <a:extLst>
+              <a:ext uri="{FF2B5EF4-FFF2-40B4-BE49-F238E27FC236}">
+                <a16:creationId xmlns:a16="http://schemas.microsoft.com/office/drawing/2014/main" id="{A11D2B80-9DE2-AA9C-6700-AD08C7CAF625}"/>
+              </a:ext>
+            </a:extLst>
+          </p:cNvPr>
+          <p:cNvGrpSpPr/>
+          <p:nvPr/>
+        </p:nvGrpSpPr>
+        <p:grpSpPr>
+          <a:xfrm>
+            <a:off x="6129131" y="2556499"/>
+            <a:ext cx="415498" cy="369332"/>
+            <a:chOff x="5402205" y="2638522"/>
+            <a:chExt cx="415498" cy="369332"/>
+          </a:xfrm>
+        </p:grpSpPr>
+        <p:sp>
+          <p:nvSpPr>
+            <p:cNvPr id="15" name="文本框 14">
+              <a:extLst>
+                <a:ext uri="{FF2B5EF4-FFF2-40B4-BE49-F238E27FC236}">
+                  <a16:creationId xmlns:a16="http://schemas.microsoft.com/office/drawing/2014/main" id="{71CFE8B2-6DD9-E9C5-D8CE-0427AEA1206A}"/>
+                </a:ext>
+              </a:extLst>
+            </p:cNvPr>
+            <p:cNvSpPr txBox="1"/>
+            <p:nvPr/>
+          </p:nvSpPr>
+          <p:spPr>
+            <a:xfrm>
+              <a:off x="5402205" y="2638522"/>
+              <a:ext cx="415498" cy="369332"/>
+            </a:xfrm>
+            <a:prstGeom prst="rect">
+              <a:avLst/>
+            </a:prstGeom>
+            <a:noFill/>
+            <a:ln>
+              <a:noFill/>
+            </a:ln>
+          </p:spPr>
+          <p:txBody>
+            <a:bodyPr wrap="none" rtlCol="0">
+              <a:spAutoFit/>
+            </a:bodyPr>
+            <a:lstStyle/>
+            <a:p>
+              <a:r>
+                <a:rPr lang="en-US" altLang="zh-CN">
+                  <a:latin typeface="Times New Roman" panose="02020603050405020304" pitchFamily="18" charset="0"/>
+                  <a:cs typeface="Times New Roman" panose="02020603050405020304" pitchFamily="18" charset="0"/>
+                </a:rPr>
+                <a:t>22</a:t>
+              </a:r>
+              <a:endParaRPr lang="zh-CN" altLang="en-US">
+                <a:latin typeface="Times New Roman" panose="02020603050405020304" pitchFamily="18" charset="0"/>
+                <a:cs typeface="Times New Roman" panose="02020603050405020304" pitchFamily="18" charset="0"/>
+              </a:endParaRPr>
+            </a:p>
+          </p:txBody>
+        </p:sp>
+        <p:sp>
+          <p:nvSpPr>
+            <p:cNvPr id="16" name="椭圆 15">
+              <a:extLst>
+                <a:ext uri="{FF2B5EF4-FFF2-40B4-BE49-F238E27FC236}">
+                  <a16:creationId xmlns:a16="http://schemas.microsoft.com/office/drawing/2014/main" id="{37EB1217-DE92-755F-3524-DE3D90CFE3A1}"/>
+                </a:ext>
+              </a:extLst>
+            </p:cNvPr>
+            <p:cNvSpPr/>
+            <p:nvPr/>
+          </p:nvSpPr>
+          <p:spPr>
+            <a:xfrm>
+              <a:off x="5436366" y="2643188"/>
+              <a:ext cx="360000" cy="360000"/>
+            </a:xfrm>
+            <a:prstGeom prst="ellipse">
+              <a:avLst/>
+            </a:prstGeom>
+            <a:noFill/>
+            <a:ln>
+              <a:solidFill>
+                <a:schemeClr val="tx1"/>
+              </a:solidFill>
+            </a:ln>
+          </p:spPr>
+          <p:style>
+            <a:lnRef idx="2">
+              <a:schemeClr val="accent1">
+                <a:shade val="50000"/>
+              </a:schemeClr>
+            </a:lnRef>
+            <a:fillRef idx="1">
+              <a:schemeClr val="accent1"/>
+            </a:fillRef>
+            <a:effectRef idx="0">
+              <a:schemeClr val="accent1"/>
+            </a:effectRef>
+            <a:fontRef idx="minor">
+              <a:schemeClr val="lt1"/>
+            </a:fontRef>
+          </p:style>
+          <p:txBody>
+            <a:bodyPr rtlCol="0" anchor="ctr">
+              <a:noAutofit/>
+            </a:bodyPr>
+            <a:lstStyle/>
+            <a:p>
+              <a:pPr algn="ctr"/>
+              <a:endParaRPr lang="zh-CN" altLang="en-US"/>
+            </a:p>
+          </p:txBody>
+        </p:sp>
+      </p:grpSp>
+      <p:grpSp>
+        <p:nvGrpSpPr>
+          <p:cNvPr id="17" name="组合 16">
+            <a:extLst>
+              <a:ext uri="{FF2B5EF4-FFF2-40B4-BE49-F238E27FC236}">
+                <a16:creationId xmlns:a16="http://schemas.microsoft.com/office/drawing/2014/main" id="{56CE42E1-02F0-7355-5D95-3A7D93D7A63E}"/>
+              </a:ext>
+            </a:extLst>
+          </p:cNvPr>
+          <p:cNvGrpSpPr/>
+          <p:nvPr/>
+        </p:nvGrpSpPr>
+        <p:grpSpPr>
+          <a:xfrm>
+            <a:off x="4590493" y="3022412"/>
+            <a:ext cx="415498" cy="369332"/>
+            <a:chOff x="5402205" y="2638522"/>
+            <a:chExt cx="415498" cy="369332"/>
+          </a:xfrm>
+        </p:grpSpPr>
+        <p:sp>
+          <p:nvSpPr>
+            <p:cNvPr id="18" name="文本框 17">
+              <a:extLst>
+                <a:ext uri="{FF2B5EF4-FFF2-40B4-BE49-F238E27FC236}">
+                  <a16:creationId xmlns:a16="http://schemas.microsoft.com/office/drawing/2014/main" id="{C0F4D005-2200-46A1-4AC0-DD3B08556C3E}"/>
+                </a:ext>
+              </a:extLst>
+            </p:cNvPr>
+            <p:cNvSpPr txBox="1"/>
+            <p:nvPr/>
+          </p:nvSpPr>
+          <p:spPr>
+            <a:xfrm>
+              <a:off x="5402205" y="2638522"/>
+              <a:ext cx="415498" cy="369332"/>
+            </a:xfrm>
+            <a:prstGeom prst="rect">
+              <a:avLst/>
+            </a:prstGeom>
+            <a:noFill/>
+            <a:ln>
+              <a:noFill/>
+            </a:ln>
+          </p:spPr>
+          <p:txBody>
+            <a:bodyPr wrap="none" rtlCol="0">
+              <a:spAutoFit/>
+            </a:bodyPr>
+            <a:lstStyle/>
+            <a:p>
+              <a:r>
+                <a:rPr lang="en-US" altLang="zh-CN">
+                  <a:latin typeface="Times New Roman" panose="02020603050405020304" pitchFamily="18" charset="0"/>
+                  <a:cs typeface="Times New Roman" panose="02020603050405020304" pitchFamily="18" charset="0"/>
+                </a:rPr>
+                <a:t>31</a:t>
+              </a:r>
+              <a:endParaRPr lang="zh-CN" altLang="en-US">
+                <a:latin typeface="Times New Roman" panose="02020603050405020304" pitchFamily="18" charset="0"/>
+                <a:cs typeface="Times New Roman" panose="02020603050405020304" pitchFamily="18" charset="0"/>
+              </a:endParaRPr>
+            </a:p>
+          </p:txBody>
+        </p:sp>
+        <p:sp>
+          <p:nvSpPr>
+            <p:cNvPr id="19" name="椭圆 18">
+              <a:extLst>
+                <a:ext uri="{FF2B5EF4-FFF2-40B4-BE49-F238E27FC236}">
+                  <a16:creationId xmlns:a16="http://schemas.microsoft.com/office/drawing/2014/main" id="{1E61ECAA-FE9C-F772-AC0D-1429A36F669B}"/>
+                </a:ext>
+              </a:extLst>
+            </p:cNvPr>
+            <p:cNvSpPr/>
+            <p:nvPr/>
+          </p:nvSpPr>
+          <p:spPr>
+            <a:xfrm>
+              <a:off x="5436366" y="2643188"/>
+              <a:ext cx="360000" cy="360000"/>
+            </a:xfrm>
+            <a:prstGeom prst="ellipse">
+              <a:avLst/>
+            </a:prstGeom>
+            <a:noFill/>
+            <a:ln>
+              <a:solidFill>
+                <a:schemeClr val="tx1"/>
+              </a:solidFill>
+            </a:ln>
+          </p:spPr>
+          <p:style>
+            <a:lnRef idx="2">
+              <a:schemeClr val="accent1">
+                <a:shade val="50000"/>
+              </a:schemeClr>
+            </a:lnRef>
+            <a:fillRef idx="1">
+              <a:schemeClr val="accent1"/>
+            </a:fillRef>
+            <a:effectRef idx="0">
+              <a:schemeClr val="accent1"/>
+            </a:effectRef>
+            <a:fontRef idx="minor">
+              <a:schemeClr val="lt1"/>
+            </a:fontRef>
+          </p:style>
+          <p:txBody>
+            <a:bodyPr rtlCol="0" anchor="ctr">
+              <a:noAutofit/>
+            </a:bodyPr>
+            <a:lstStyle/>
+            <a:p>
+              <a:pPr algn="ctr"/>
+              <a:endParaRPr lang="zh-CN" altLang="en-US"/>
+            </a:p>
+          </p:txBody>
+        </p:sp>
+      </p:grpSp>
+      <p:grpSp>
+        <p:nvGrpSpPr>
+          <p:cNvPr id="25" name="组合 24">
+            <a:extLst>
+              <a:ext uri="{FF2B5EF4-FFF2-40B4-BE49-F238E27FC236}">
+                <a16:creationId xmlns:a16="http://schemas.microsoft.com/office/drawing/2014/main" id="{3124491E-9B2F-D9AC-49E7-102F3458121D}"/>
+              </a:ext>
+            </a:extLst>
+          </p:cNvPr>
+          <p:cNvGrpSpPr/>
+          <p:nvPr/>
+        </p:nvGrpSpPr>
+        <p:grpSpPr>
+          <a:xfrm>
+            <a:off x="5808560" y="3022412"/>
+            <a:ext cx="415498" cy="369332"/>
+            <a:chOff x="5402205" y="2638522"/>
+            <a:chExt cx="415498" cy="369332"/>
+          </a:xfrm>
+        </p:grpSpPr>
+        <p:sp>
+          <p:nvSpPr>
+            <p:cNvPr id="26" name="文本框 25">
+              <a:extLst>
+                <a:ext uri="{FF2B5EF4-FFF2-40B4-BE49-F238E27FC236}">
+                  <a16:creationId xmlns:a16="http://schemas.microsoft.com/office/drawing/2014/main" id="{5BD1E027-7354-DED8-CA10-925659B99F14}"/>
+                </a:ext>
+              </a:extLst>
+            </p:cNvPr>
+            <p:cNvSpPr txBox="1"/>
+            <p:nvPr/>
+          </p:nvSpPr>
+          <p:spPr>
+            <a:xfrm>
+              <a:off x="5402205" y="2638522"/>
+              <a:ext cx="415498" cy="369332"/>
+            </a:xfrm>
+            <a:prstGeom prst="rect">
+              <a:avLst/>
+            </a:prstGeom>
+            <a:noFill/>
+            <a:ln>
+              <a:noFill/>
+            </a:ln>
+          </p:spPr>
+          <p:txBody>
+            <a:bodyPr wrap="none" rtlCol="0">
+              <a:spAutoFit/>
+            </a:bodyPr>
+            <a:lstStyle/>
+            <a:p>
+              <a:r>
+                <a:rPr lang="en-US" altLang="zh-CN">
+                  <a:latin typeface="Times New Roman" panose="02020603050405020304" pitchFamily="18" charset="0"/>
+                  <a:cs typeface="Times New Roman" panose="02020603050405020304" pitchFamily="18" charset="0"/>
+                </a:rPr>
+                <a:t>14</a:t>
+              </a:r>
+              <a:endParaRPr lang="zh-CN" altLang="en-US">
+                <a:latin typeface="Times New Roman" panose="02020603050405020304" pitchFamily="18" charset="0"/>
+                <a:cs typeface="Times New Roman" panose="02020603050405020304" pitchFamily="18" charset="0"/>
+              </a:endParaRPr>
+            </a:p>
+          </p:txBody>
+        </p:sp>
+        <p:sp>
+          <p:nvSpPr>
+            <p:cNvPr id="27" name="椭圆 26">
+              <a:extLst>
+                <a:ext uri="{FF2B5EF4-FFF2-40B4-BE49-F238E27FC236}">
+                  <a16:creationId xmlns:a16="http://schemas.microsoft.com/office/drawing/2014/main" id="{33ED06FE-CDC1-50A9-5C07-A75DABAE2750}"/>
+                </a:ext>
+              </a:extLst>
+            </p:cNvPr>
+            <p:cNvSpPr/>
+            <p:nvPr/>
+          </p:nvSpPr>
+          <p:spPr>
+            <a:xfrm>
+              <a:off x="5436366" y="2643188"/>
+              <a:ext cx="360000" cy="360000"/>
+            </a:xfrm>
+            <a:prstGeom prst="ellipse">
+              <a:avLst/>
+            </a:prstGeom>
+            <a:noFill/>
+            <a:ln>
+              <a:solidFill>
+                <a:schemeClr val="tx1"/>
+              </a:solidFill>
+            </a:ln>
+          </p:spPr>
+          <p:style>
+            <a:lnRef idx="2">
+              <a:schemeClr val="accent1">
+                <a:shade val="50000"/>
+              </a:schemeClr>
+            </a:lnRef>
+            <a:fillRef idx="1">
+              <a:schemeClr val="accent1"/>
+            </a:fillRef>
+            <a:effectRef idx="0">
+              <a:schemeClr val="accent1"/>
+            </a:effectRef>
+            <a:fontRef idx="minor">
+              <a:schemeClr val="lt1"/>
+            </a:fontRef>
+          </p:style>
+          <p:txBody>
+            <a:bodyPr rtlCol="0" anchor="ctr">
+              <a:noAutofit/>
+            </a:bodyPr>
+            <a:lstStyle/>
+            <a:p>
+              <a:pPr algn="ctr"/>
+              <a:endParaRPr lang="zh-CN" altLang="en-US"/>
+            </a:p>
+          </p:txBody>
+        </p:sp>
+      </p:grpSp>
+      <p:grpSp>
+        <p:nvGrpSpPr>
+          <p:cNvPr id="28" name="组合 27">
+            <a:extLst>
+              <a:ext uri="{FF2B5EF4-FFF2-40B4-BE49-F238E27FC236}">
+                <a16:creationId xmlns:a16="http://schemas.microsoft.com/office/drawing/2014/main" id="{CB82350C-7DCE-D4F2-68C3-CF77CACFF601}"/>
+              </a:ext>
+            </a:extLst>
+          </p:cNvPr>
+          <p:cNvGrpSpPr/>
+          <p:nvPr/>
+        </p:nvGrpSpPr>
+        <p:grpSpPr>
+          <a:xfrm>
+            <a:off x="6430174" y="3012490"/>
+            <a:ext cx="378908" cy="369332"/>
+            <a:chOff x="5436366" y="2638522"/>
+            <a:chExt cx="360000" cy="369332"/>
+          </a:xfrm>
+        </p:grpSpPr>
+        <p:sp>
+          <p:nvSpPr>
+            <p:cNvPr id="30" name="文本框 29">
+              <a:extLst>
+                <a:ext uri="{FF2B5EF4-FFF2-40B4-BE49-F238E27FC236}">
+                  <a16:creationId xmlns:a16="http://schemas.microsoft.com/office/drawing/2014/main" id="{A062D283-97ED-F37D-EF22-CAF366CEFCED}"/>
+                </a:ext>
+              </a:extLst>
+            </p:cNvPr>
+            <p:cNvSpPr txBox="1"/>
+            <p:nvPr/>
+          </p:nvSpPr>
+          <p:spPr>
+            <a:xfrm>
+              <a:off x="5478469" y="2638522"/>
+              <a:ext cx="300082" cy="369332"/>
+            </a:xfrm>
+            <a:prstGeom prst="rect">
+              <a:avLst/>
+            </a:prstGeom>
+            <a:noFill/>
+            <a:ln>
+              <a:noFill/>
+            </a:ln>
+          </p:spPr>
+          <p:txBody>
+            <a:bodyPr wrap="none" rtlCol="0">
+              <a:spAutoFit/>
+            </a:bodyPr>
+            <a:lstStyle/>
+            <a:p>
+              <a:r>
+                <a:rPr lang="en-US" altLang="zh-CN">
+                  <a:latin typeface="Times New Roman" panose="02020603050405020304" pitchFamily="18" charset="0"/>
+                  <a:cs typeface="Times New Roman" panose="02020603050405020304" pitchFamily="18" charset="0"/>
+                </a:rPr>
+                <a:t>8</a:t>
+              </a:r>
+              <a:endParaRPr lang="zh-CN" altLang="en-US">
+                <a:latin typeface="Times New Roman" panose="02020603050405020304" pitchFamily="18" charset="0"/>
+                <a:cs typeface="Times New Roman" panose="02020603050405020304" pitchFamily="18" charset="0"/>
+              </a:endParaRPr>
+            </a:p>
+          </p:txBody>
+        </p:sp>
+        <p:sp>
+          <p:nvSpPr>
+            <p:cNvPr id="32" name="椭圆 31">
+              <a:extLst>
+                <a:ext uri="{FF2B5EF4-FFF2-40B4-BE49-F238E27FC236}">
+                  <a16:creationId xmlns:a16="http://schemas.microsoft.com/office/drawing/2014/main" id="{B3A555B1-7C46-C764-D560-B43D0F7B1486}"/>
+                </a:ext>
+              </a:extLst>
+            </p:cNvPr>
+            <p:cNvSpPr/>
+            <p:nvPr/>
+          </p:nvSpPr>
+          <p:spPr>
+            <a:xfrm>
+              <a:off x="5436366" y="2643188"/>
+              <a:ext cx="360000" cy="360000"/>
+            </a:xfrm>
+            <a:prstGeom prst="ellipse">
+              <a:avLst/>
+            </a:prstGeom>
+            <a:noFill/>
+            <a:ln>
+              <a:solidFill>
+                <a:schemeClr val="tx1"/>
+              </a:solidFill>
+            </a:ln>
+          </p:spPr>
+          <p:style>
+            <a:lnRef idx="2">
+              <a:schemeClr val="accent1">
+                <a:shade val="50000"/>
+              </a:schemeClr>
+            </a:lnRef>
+            <a:fillRef idx="1">
+              <a:schemeClr val="accent1"/>
+            </a:fillRef>
+            <a:effectRef idx="0">
+              <a:schemeClr val="accent1"/>
+            </a:effectRef>
+            <a:fontRef idx="minor">
+              <a:schemeClr val="lt1"/>
+            </a:fontRef>
+          </p:style>
+          <p:txBody>
+            <a:bodyPr rtlCol="0" anchor="ctr">
+              <a:noAutofit/>
+            </a:bodyPr>
+            <a:lstStyle/>
+            <a:p>
+              <a:pPr algn="ctr"/>
+              <a:endParaRPr lang="zh-CN" altLang="en-US"/>
+            </a:p>
+          </p:txBody>
+        </p:sp>
+      </p:grpSp>
+      <p:cxnSp>
+        <p:nvCxnSpPr>
+          <p:cNvPr id="37" name="直接连接符 36">
+            <a:extLst>
+              <a:ext uri="{FF2B5EF4-FFF2-40B4-BE49-F238E27FC236}">
+                <a16:creationId xmlns:a16="http://schemas.microsoft.com/office/drawing/2014/main" id="{D543F12F-D1F7-1484-8AF6-6FDB7058054E}"/>
+              </a:ext>
+            </a:extLst>
+          </p:cNvPr>
+          <p:cNvCxnSpPr>
+            <a:cxnSpLocks/>
+            <a:stCxn id="2" idx="5"/>
+          </p:cNvCxnSpPr>
+          <p:nvPr/>
+        </p:nvCxnSpPr>
+        <p:spPr>
+          <a:xfrm>
+            <a:off x="5838114" y="2467678"/>
+            <a:ext cx="382241" cy="146208"/>
+          </a:xfrm>
+          <a:prstGeom prst="line">
+            <a:avLst/>
+          </a:prstGeom>
+          <a:ln>
+            <a:solidFill>
+              <a:schemeClr val="tx1"/>
+            </a:solidFill>
+          </a:ln>
+        </p:spPr>
+        <p:style>
+          <a:lnRef idx="1">
+            <a:schemeClr val="accent1"/>
+          </a:lnRef>
+          <a:fillRef idx="0">
+            <a:schemeClr val="accent1"/>
+          </a:fillRef>
+          <a:effectRef idx="0">
+            <a:schemeClr val="accent1"/>
+          </a:effectRef>
+          <a:fontRef idx="minor">
+            <a:schemeClr val="tx1"/>
+          </a:fontRef>
+        </p:style>
+      </p:cxnSp>
+      <p:cxnSp>
+        <p:nvCxnSpPr>
+          <p:cNvPr id="39" name="直接连接符 38">
+            <a:extLst>
+              <a:ext uri="{FF2B5EF4-FFF2-40B4-BE49-F238E27FC236}">
+                <a16:creationId xmlns:a16="http://schemas.microsoft.com/office/drawing/2014/main" id="{E0C631B5-C16D-A673-FA84-A0BC13427469}"/>
+              </a:ext>
+            </a:extLst>
+          </p:cNvPr>
+          <p:cNvCxnSpPr>
+            <a:cxnSpLocks/>
+            <a:stCxn id="2" idx="3"/>
+            <a:endCxn id="13" idx="7"/>
+          </p:cNvCxnSpPr>
+          <p:nvPr/>
+        </p:nvCxnSpPr>
+        <p:spPr>
+          <a:xfrm flipH="1">
+            <a:off x="5239818" y="2467678"/>
+            <a:ext cx="343738" cy="165162"/>
+          </a:xfrm>
+          <a:prstGeom prst="line">
+            <a:avLst/>
+          </a:prstGeom>
+          <a:ln>
+            <a:solidFill>
+              <a:schemeClr val="tx1"/>
+            </a:solidFill>
+          </a:ln>
+        </p:spPr>
+        <p:style>
+          <a:lnRef idx="1">
+            <a:schemeClr val="accent1"/>
+          </a:lnRef>
+          <a:fillRef idx="0">
+            <a:schemeClr val="accent1"/>
+          </a:fillRef>
+          <a:effectRef idx="0">
+            <a:schemeClr val="accent1"/>
+          </a:effectRef>
+          <a:fontRef idx="minor">
+            <a:schemeClr val="tx1"/>
+          </a:fontRef>
+        </p:style>
+      </p:cxnSp>
+      <p:cxnSp>
+        <p:nvCxnSpPr>
+          <p:cNvPr id="43" name="直接连接符 42">
+            <a:extLst>
+              <a:ext uri="{FF2B5EF4-FFF2-40B4-BE49-F238E27FC236}">
+                <a16:creationId xmlns:a16="http://schemas.microsoft.com/office/drawing/2014/main" id="{6A9E3692-D0CC-00BC-F059-9566C9F83408}"/>
+              </a:ext>
+            </a:extLst>
+          </p:cNvPr>
+          <p:cNvCxnSpPr>
+            <a:cxnSpLocks/>
+            <a:stCxn id="13" idx="3"/>
+            <a:endCxn id="18" idx="0"/>
+          </p:cNvCxnSpPr>
+          <p:nvPr/>
+        </p:nvCxnSpPr>
+        <p:spPr>
+          <a:xfrm flipH="1">
+            <a:off x="4798242" y="2887398"/>
+            <a:ext cx="187018" cy="135014"/>
+          </a:xfrm>
+          <a:prstGeom prst="line">
+            <a:avLst/>
+          </a:prstGeom>
+          <a:ln>
+            <a:solidFill>
+              <a:schemeClr val="tx1"/>
+            </a:solidFill>
+          </a:ln>
+        </p:spPr>
+        <p:style>
+          <a:lnRef idx="1">
+            <a:schemeClr val="accent1"/>
+          </a:lnRef>
+          <a:fillRef idx="0">
+            <a:schemeClr val="accent1"/>
+          </a:fillRef>
+          <a:effectRef idx="0">
+            <a:schemeClr val="accent1"/>
+          </a:effectRef>
+          <a:fontRef idx="minor">
+            <a:schemeClr val="tx1"/>
+          </a:fontRef>
+        </p:style>
+      </p:cxnSp>
+      <p:cxnSp>
+        <p:nvCxnSpPr>
+          <p:cNvPr id="47" name="直接连接符 46">
+            <a:extLst>
+              <a:ext uri="{FF2B5EF4-FFF2-40B4-BE49-F238E27FC236}">
+                <a16:creationId xmlns:a16="http://schemas.microsoft.com/office/drawing/2014/main" id="{9A07B28F-AEA0-F3D0-7567-86E336E3DD38}"/>
+              </a:ext>
+            </a:extLst>
+          </p:cNvPr>
+          <p:cNvCxnSpPr>
+            <a:stCxn id="13" idx="5"/>
+            <a:endCxn id="21" idx="0"/>
+          </p:cNvCxnSpPr>
+          <p:nvPr/>
+        </p:nvCxnSpPr>
+        <p:spPr>
+          <a:xfrm>
+            <a:off x="5239818" y="2887398"/>
+            <a:ext cx="184600" cy="125092"/>
+          </a:xfrm>
+          <a:prstGeom prst="line">
+            <a:avLst/>
+          </a:prstGeom>
+          <a:ln>
+            <a:solidFill>
+              <a:schemeClr val="tx1"/>
+            </a:solidFill>
+          </a:ln>
+        </p:spPr>
+        <p:style>
+          <a:lnRef idx="1">
+            <a:schemeClr val="accent1"/>
+          </a:lnRef>
+          <a:fillRef idx="0">
+            <a:schemeClr val="accent1"/>
+          </a:fillRef>
+          <a:effectRef idx="0">
+            <a:schemeClr val="accent1"/>
+          </a:effectRef>
+          <a:fontRef idx="minor">
+            <a:schemeClr val="tx1"/>
+          </a:fontRef>
+        </p:style>
+      </p:cxnSp>
+      <p:cxnSp>
+        <p:nvCxnSpPr>
+          <p:cNvPr id="49" name="直接连接符 48">
+            <a:extLst>
+              <a:ext uri="{FF2B5EF4-FFF2-40B4-BE49-F238E27FC236}">
+                <a16:creationId xmlns:a16="http://schemas.microsoft.com/office/drawing/2014/main" id="{62197B43-8DC9-6877-1693-6695FF8238E6}"/>
+              </a:ext>
+            </a:extLst>
+          </p:cNvPr>
+          <p:cNvCxnSpPr>
+            <a:stCxn id="16" idx="3"/>
+            <a:endCxn id="27" idx="0"/>
+          </p:cNvCxnSpPr>
+          <p:nvPr/>
+        </p:nvCxnSpPr>
+        <p:spPr>
+          <a:xfrm flipH="1">
+            <a:off x="6022721" y="2868444"/>
+            <a:ext cx="193292" cy="158634"/>
+          </a:xfrm>
+          <a:prstGeom prst="line">
+            <a:avLst/>
+          </a:prstGeom>
+          <a:ln>
+            <a:solidFill>
+              <a:schemeClr val="tx1"/>
+            </a:solidFill>
+          </a:ln>
+        </p:spPr>
+        <p:style>
+          <a:lnRef idx="1">
+            <a:schemeClr val="accent1"/>
+          </a:lnRef>
+          <a:fillRef idx="0">
+            <a:schemeClr val="accent1"/>
+          </a:fillRef>
+          <a:effectRef idx="0">
+            <a:schemeClr val="accent1"/>
+          </a:effectRef>
+          <a:fontRef idx="minor">
+            <a:schemeClr val="tx1"/>
+          </a:fontRef>
+        </p:style>
+      </p:cxnSp>
+      <p:cxnSp>
+        <p:nvCxnSpPr>
+          <p:cNvPr id="51" name="直接连接符 50">
+            <a:extLst>
+              <a:ext uri="{FF2B5EF4-FFF2-40B4-BE49-F238E27FC236}">
+                <a16:creationId xmlns:a16="http://schemas.microsoft.com/office/drawing/2014/main" id="{706C2D15-960B-38B3-C481-E6EE9B0CE039}"/>
+              </a:ext>
+            </a:extLst>
+          </p:cNvPr>
+          <p:cNvCxnSpPr>
+            <a:stCxn id="16" idx="5"/>
+            <a:endCxn id="30" idx="0"/>
+          </p:cNvCxnSpPr>
+          <p:nvPr/>
+        </p:nvCxnSpPr>
+        <p:spPr>
+          <a:xfrm>
+            <a:off x="6470571" y="2868444"/>
+            <a:ext cx="161839" cy="144046"/>
+          </a:xfrm>
+          <a:prstGeom prst="line">
+            <a:avLst/>
+          </a:prstGeom>
+          <a:ln>
+            <a:solidFill>
+              <a:schemeClr val="tx1"/>
+            </a:solidFill>
+          </a:ln>
+        </p:spPr>
+        <p:style>
+          <a:lnRef idx="1">
+            <a:schemeClr val="accent1"/>
+          </a:lnRef>
+          <a:fillRef idx="0">
+            <a:schemeClr val="accent1"/>
+          </a:fillRef>
+          <a:effectRef idx="0">
+            <a:schemeClr val="accent1"/>
+          </a:effectRef>
+          <a:fontRef idx="minor">
+            <a:schemeClr val="tx1"/>
+          </a:fontRef>
+        </p:style>
+      </p:cxnSp>
+      <p:sp>
+        <p:nvSpPr>
+          <p:cNvPr id="53" name="文本框 52">
+            <a:extLst>
+              <a:ext uri="{FF2B5EF4-FFF2-40B4-BE49-F238E27FC236}">
+                <a16:creationId xmlns:a16="http://schemas.microsoft.com/office/drawing/2014/main" id="{26864DFA-ED9F-AE50-F039-298175F3BED3}"/>
+              </a:ext>
+            </a:extLst>
+          </p:cNvPr>
+          <p:cNvSpPr txBox="1"/>
+          <p:nvPr/>
+        </p:nvSpPr>
+        <p:spPr>
+          <a:xfrm>
+            <a:off x="4491664" y="3371057"/>
+            <a:ext cx="626176" cy="276999"/>
+          </a:xfrm>
+          <a:prstGeom prst="rect">
+            <a:avLst/>
+          </a:prstGeom>
+          <a:noFill/>
+        </p:spPr>
+        <p:txBody>
+          <a:bodyPr wrap="square" rtlCol="0">
+            <a:spAutoFit/>
+          </a:bodyPr>
+          <a:lstStyle/>
+          <a:p>
+            <a:r>
+              <a:rPr lang="en-US" altLang="zh-CN" sz="1200">
+                <a:latin typeface="Times New Roman" panose="02020603050405020304" pitchFamily="18" charset="0"/>
+                <a:cs typeface="Times New Roman" panose="02020603050405020304" pitchFamily="18" charset="0"/>
+              </a:rPr>
+              <a:t>[0~31)</a:t>
+            </a:r>
+            <a:endParaRPr lang="zh-CN" altLang="en-US" sz="1200">
+              <a:latin typeface="Times New Roman" panose="02020603050405020304" pitchFamily="18" charset="0"/>
+              <a:cs typeface="Times New Roman" panose="02020603050405020304" pitchFamily="18" charset="0"/>
+            </a:endParaRPr>
+          </a:p>
+        </p:txBody>
+      </p:sp>
+      <p:sp>
+        <p:nvSpPr>
+          <p:cNvPr id="54" name="文本框 53">
+            <a:extLst>
+              <a:ext uri="{FF2B5EF4-FFF2-40B4-BE49-F238E27FC236}">
+                <a16:creationId xmlns:a16="http://schemas.microsoft.com/office/drawing/2014/main" id="{FC2F6EDC-929C-D5A4-D3C0-768FDD1FE0C9}"/>
+              </a:ext>
+            </a:extLst>
+          </p:cNvPr>
+          <p:cNvSpPr txBox="1"/>
+          <p:nvPr/>
+        </p:nvSpPr>
+        <p:spPr>
+          <a:xfrm>
+            <a:off x="5110813" y="3377156"/>
+            <a:ext cx="714827" cy="276999"/>
+          </a:xfrm>
+          <a:prstGeom prst="rect">
+            <a:avLst/>
+          </a:prstGeom>
+          <a:noFill/>
+        </p:spPr>
+        <p:txBody>
+          <a:bodyPr wrap="square" rtlCol="0">
+            <a:spAutoFit/>
+          </a:bodyPr>
+          <a:lstStyle/>
+          <a:p>
+            <a:r>
+              <a:rPr lang="en-US" altLang="zh-CN" sz="1200">
+                <a:latin typeface="Times New Roman" panose="02020603050405020304" pitchFamily="18" charset="0"/>
+                <a:cs typeface="Times New Roman" panose="02020603050405020304" pitchFamily="18" charset="0"/>
+              </a:rPr>
+              <a:t>[31~44)</a:t>
+            </a:r>
+            <a:endParaRPr lang="zh-CN" altLang="en-US" sz="1200">
+              <a:latin typeface="Times New Roman" panose="02020603050405020304" pitchFamily="18" charset="0"/>
+              <a:cs typeface="Times New Roman" panose="02020603050405020304" pitchFamily="18" charset="0"/>
+            </a:endParaRPr>
+          </a:p>
+        </p:txBody>
+      </p:sp>
+      <p:sp>
+        <p:nvSpPr>
+          <p:cNvPr id="55" name="文本框 54">
+            <a:extLst>
+              <a:ext uri="{FF2B5EF4-FFF2-40B4-BE49-F238E27FC236}">
+                <a16:creationId xmlns:a16="http://schemas.microsoft.com/office/drawing/2014/main" id="{C61665B8-9D0D-545E-3366-59DB0CE10F9F}"/>
+              </a:ext>
+            </a:extLst>
+          </p:cNvPr>
+          <p:cNvSpPr txBox="1"/>
+          <p:nvPr/>
+        </p:nvSpPr>
+        <p:spPr>
+          <a:xfrm>
+            <a:off x="5682732" y="3370610"/>
+            <a:ext cx="736234" cy="276999"/>
+          </a:xfrm>
+          <a:prstGeom prst="rect">
+            <a:avLst/>
+          </a:prstGeom>
+          <a:noFill/>
+        </p:spPr>
+        <p:txBody>
+          <a:bodyPr wrap="square" rtlCol="0">
+            <a:spAutoFit/>
+          </a:bodyPr>
+          <a:lstStyle/>
+          <a:p>
+            <a:r>
+              <a:rPr lang="en-US" altLang="zh-CN" sz="1200">
+                <a:latin typeface="Times New Roman" panose="02020603050405020304" pitchFamily="18" charset="0"/>
+                <a:cs typeface="Times New Roman" panose="02020603050405020304" pitchFamily="18" charset="0"/>
+              </a:rPr>
+              <a:t>[44~58)</a:t>
+            </a:r>
+            <a:endParaRPr lang="zh-CN" altLang="en-US" sz="1200">
+              <a:latin typeface="Times New Roman" panose="02020603050405020304" pitchFamily="18" charset="0"/>
+              <a:cs typeface="Times New Roman" panose="02020603050405020304" pitchFamily="18" charset="0"/>
+            </a:endParaRPr>
+          </a:p>
+        </p:txBody>
+      </p:sp>
+      <p:sp>
+        <p:nvSpPr>
+          <p:cNvPr id="56" name="文本框 55">
+            <a:extLst>
+              <a:ext uri="{FF2B5EF4-FFF2-40B4-BE49-F238E27FC236}">
+                <a16:creationId xmlns:a16="http://schemas.microsoft.com/office/drawing/2014/main" id="{26A5DDBC-F749-458B-E856-2B52033D12FF}"/>
+              </a:ext>
+            </a:extLst>
+          </p:cNvPr>
+          <p:cNvSpPr txBox="1"/>
+          <p:nvPr/>
+        </p:nvSpPr>
+        <p:spPr>
+          <a:xfrm>
+            <a:off x="6310999" y="3368152"/>
+            <a:ext cx="758038" cy="276999"/>
+          </a:xfrm>
+          <a:prstGeom prst="rect">
+            <a:avLst/>
+          </a:prstGeom>
+          <a:noFill/>
+        </p:spPr>
+        <p:txBody>
+          <a:bodyPr wrap="square" rtlCol="0">
+            <a:spAutoFit/>
+          </a:bodyPr>
+          <a:lstStyle/>
+          <a:p>
+            <a:r>
+              <a:rPr lang="en-US" altLang="zh-CN" sz="1200">
+                <a:latin typeface="Times New Roman" panose="02020603050405020304" pitchFamily="18" charset="0"/>
+                <a:cs typeface="Times New Roman" panose="02020603050405020304" pitchFamily="18" charset="0"/>
+              </a:rPr>
+              <a:t>[58~66)</a:t>
+            </a:r>
+            <a:endParaRPr lang="zh-CN" altLang="en-US" sz="1200">
+              <a:latin typeface="Times New Roman" panose="02020603050405020304" pitchFamily="18" charset="0"/>
+              <a:cs typeface="Times New Roman" panose="02020603050405020304" pitchFamily="18" charset="0"/>
+            </a:endParaRPr>
+          </a:p>
+        </p:txBody>
+      </p:sp>
+    </p:spTree>
+    <p:extLst>
+      <p:ext uri="{BB962C8B-B14F-4D97-AF65-F5344CB8AC3E}">
+        <p14:creationId xmlns:p14="http://schemas.microsoft.com/office/powerpoint/2010/main" val="2350105526"/>
+      </p:ext>
+    </p:extLst>
+  </p:cSld>
+  <p:clrMapOvr>
+    <a:masterClrMapping/>
+  </p:clrMapOvr>
+</p:sld>
+</file>
+
 <file path=ppt/theme/theme1.xml><?xml version="1.0" encoding="utf-8"?>
 <a:theme xmlns:a="http://schemas.openxmlformats.org/drawingml/2006/main" name="Office 主题​​">
   <a:themeElements>
